--- a/pynotes/Python Pandas.pptx
+++ b/pynotes/Python Pandas.pptx
@@ -26,18 +26,19 @@
     <p:sldId id="258" r:id="rId20"/>
     <p:sldId id="267" r:id="rId21"/>
     <p:sldId id="268" r:id="rId22"/>
-    <p:sldId id="270" r:id="rId23"/>
-    <p:sldId id="271" r:id="rId24"/>
-    <p:sldId id="272" r:id="rId25"/>
-    <p:sldId id="273" r:id="rId26"/>
-    <p:sldId id="283" r:id="rId27"/>
-    <p:sldId id="284" r:id="rId28"/>
-    <p:sldId id="282" r:id="rId29"/>
-    <p:sldId id="285" r:id="rId30"/>
-    <p:sldId id="287" r:id="rId31"/>
-    <p:sldId id="288" r:id="rId32"/>
-    <p:sldId id="289" r:id="rId33"/>
-    <p:sldId id="290" r:id="rId34"/>
+    <p:sldId id="291" r:id="rId23"/>
+    <p:sldId id="270" r:id="rId24"/>
+    <p:sldId id="271" r:id="rId25"/>
+    <p:sldId id="272" r:id="rId26"/>
+    <p:sldId id="273" r:id="rId27"/>
+    <p:sldId id="283" r:id="rId28"/>
+    <p:sldId id="284" r:id="rId29"/>
+    <p:sldId id="282" r:id="rId30"/>
+    <p:sldId id="285" r:id="rId31"/>
+    <p:sldId id="287" r:id="rId32"/>
+    <p:sldId id="288" r:id="rId33"/>
+    <p:sldId id="289" r:id="rId34"/>
+    <p:sldId id="290" r:id="rId35"/>
   </p:sldIdLst>
   <p:sldSz cx="9144000" cy="6858000" type="screen4x3"/>
   <p:notesSz cx="6858000" cy="9144000"/>
@@ -2896,7 +2897,7 @@
           <a:p>
             <a:fld id="{C5BD49C6-60A4-4760-BBD1-3A5EF1DBA117}" type="datetimeFigureOut">
               <a:rPr lang="en-US" smtClean="0"/>
-              <a:t>6/24/2018</a:t>
+              <a:t>6/26/2018</a:t>
             </a:fld>
             <a:endParaRPr lang="en-US"/>
           </a:p>
@@ -3181,7 +3182,7 @@
           <a:p>
             <a:fld id="{C5BD49C6-60A4-4760-BBD1-3A5EF1DBA117}" type="datetimeFigureOut">
               <a:rPr lang="en-US" smtClean="0"/>
-              <a:t>6/24/2018</a:t>
+              <a:t>6/26/2018</a:t>
             </a:fld>
             <a:endParaRPr lang="en-US"/>
           </a:p>
@@ -3356,7 +3357,7 @@
           <a:p>
             <a:fld id="{C5BD49C6-60A4-4760-BBD1-3A5EF1DBA117}" type="datetimeFigureOut">
               <a:rPr lang="en-US" smtClean="0"/>
-              <a:t>6/24/2018</a:t>
+              <a:t>6/26/2018</a:t>
             </a:fld>
             <a:endParaRPr lang="en-US"/>
           </a:p>
@@ -3521,7 +3522,7 @@
           <a:p>
             <a:fld id="{C5BD49C6-60A4-4760-BBD1-3A5EF1DBA117}" type="datetimeFigureOut">
               <a:rPr lang="en-US" smtClean="0"/>
-              <a:t>6/24/2018</a:t>
+              <a:t>6/26/2018</a:t>
             </a:fld>
             <a:endParaRPr lang="en-US"/>
           </a:p>
@@ -3762,7 +3763,7 @@
           <a:p>
             <a:fld id="{C5BD49C6-60A4-4760-BBD1-3A5EF1DBA117}" type="datetimeFigureOut">
               <a:rPr lang="en-US" smtClean="0"/>
-              <a:t>6/24/2018</a:t>
+              <a:t>6/26/2018</a:t>
             </a:fld>
             <a:endParaRPr lang="en-US"/>
           </a:p>
@@ -3875,7 +3876,7 @@
           <a:p>
             <a:fld id="{C5BD49C6-60A4-4760-BBD1-3A5EF1DBA117}" type="datetimeFigureOut">
               <a:rPr lang="en-US" smtClean="0"/>
-              <a:t>6/24/2018</a:t>
+              <a:t>6/26/2018</a:t>
             </a:fld>
             <a:endParaRPr lang="en-US"/>
           </a:p>
@@ -4414,7 +4415,7 @@
           <a:p>
             <a:fld id="{C5BD49C6-60A4-4760-BBD1-3A5EF1DBA117}" type="datetimeFigureOut">
               <a:rPr lang="en-US" smtClean="0"/>
-              <a:t>6/24/2018</a:t>
+              <a:t>6/26/2018</a:t>
             </a:fld>
             <a:endParaRPr lang="en-US"/>
           </a:p>
@@ -4527,7 +4528,7 @@
           <a:p>
             <a:fld id="{C5BD49C6-60A4-4760-BBD1-3A5EF1DBA117}" type="datetimeFigureOut">
               <a:rPr lang="en-US" smtClean="0"/>
-              <a:t>6/24/2018</a:t>
+              <a:t>6/26/2018</a:t>
             </a:fld>
             <a:endParaRPr lang="en-US"/>
           </a:p>
@@ -4617,7 +4618,7 @@
           <a:p>
             <a:fld id="{C5BD49C6-60A4-4760-BBD1-3A5EF1DBA117}" type="datetimeFigureOut">
               <a:rPr lang="en-US" smtClean="0"/>
-              <a:t>6/24/2018</a:t>
+              <a:t>6/26/2018</a:t>
             </a:fld>
             <a:endParaRPr lang="en-US"/>
           </a:p>
@@ -7268,7 +7269,7 @@
           <a:p>
             <a:fld id="{C5BD49C6-60A4-4760-BBD1-3A5EF1DBA117}" type="datetimeFigureOut">
               <a:rPr lang="en-US" smtClean="0"/>
-              <a:t>6/24/2018</a:t>
+              <a:t>6/26/2018</a:t>
             </a:fld>
             <a:endParaRPr lang="en-US"/>
           </a:p>
@@ -10480,7 +10481,7 @@
           <a:p>
             <a:fld id="{C5BD49C6-60A4-4760-BBD1-3A5EF1DBA117}" type="datetimeFigureOut">
               <a:rPr lang="en-US" smtClean="0"/>
-              <a:t>6/24/2018</a:t>
+              <a:t>6/26/2018</a:t>
             </a:fld>
             <a:endParaRPr lang="en-US"/>
           </a:p>
@@ -13302,7 +13303,7 @@
           <a:p>
             <a:fld id="{C5BD49C6-60A4-4760-BBD1-3A5EF1DBA117}" type="datetimeFigureOut">
               <a:rPr lang="en-US" smtClean="0"/>
-              <a:t>6/24/2018</a:t>
+              <a:t>6/26/2018</a:t>
             </a:fld>
             <a:endParaRPr lang="en-US"/>
           </a:p>
@@ -13816,6 +13817,13 @@
   <p:clrMapOvr>
     <a:masterClrMapping/>
   </p:clrMapOvr>
+  <p:timing>
+    <p:tnLst>
+      <p:par>
+        <p:cTn id="1" dur="indefinite" restart="never" nodeType="tmRoot"/>
+      </p:par>
+    </p:tnLst>
+  </p:timing>
 </p:sld>
 </file>
 
@@ -13913,6 +13921,13 @@
   <p:clrMapOvr>
     <a:masterClrMapping/>
   </p:clrMapOvr>
+  <p:timing>
+    <p:tnLst>
+      <p:par>
+        <p:cTn id="1" dur="indefinite" restart="never" nodeType="tmRoot"/>
+      </p:par>
+    </p:tnLst>
+  </p:timing>
 </p:sld>
 </file>
 
@@ -14011,6 +14026,13 @@
   <p:clrMapOvr>
     <a:masterClrMapping/>
   </p:clrMapOvr>
+  <p:timing>
+    <p:tnLst>
+      <p:par>
+        <p:cTn id="1" dur="indefinite" restart="never" nodeType="tmRoot"/>
+      </p:par>
+    </p:tnLst>
+  </p:timing>
 </p:sld>
 </file>
 
@@ -14146,6 +14168,13 @@
   <p:clrMapOvr>
     <a:masterClrMapping/>
   </p:clrMapOvr>
+  <p:timing>
+    <p:tnLst>
+      <p:par>
+        <p:cTn id="1" dur="indefinite" restart="never" nodeType="tmRoot"/>
+      </p:par>
+    </p:tnLst>
+  </p:timing>
 </p:sld>
 </file>
 
@@ -14399,6 +14428,13 @@
   <p:clrMapOvr>
     <a:masterClrMapping/>
   </p:clrMapOvr>
+  <p:timing>
+    <p:tnLst>
+      <p:par>
+        <p:cTn id="1" dur="indefinite" restart="never" nodeType="tmRoot"/>
+      </p:par>
+    </p:tnLst>
+  </p:timing>
 </p:sld>
 </file>
 
@@ -14562,6 +14598,13 @@
   <p:clrMapOvr>
     <a:masterClrMapping/>
   </p:clrMapOvr>
+  <p:timing>
+    <p:tnLst>
+      <p:par>
+        <p:cTn id="1" dur="indefinite" restart="never" nodeType="tmRoot"/>
+      </p:par>
+    </p:tnLst>
+  </p:timing>
 </p:sld>
 </file>
 
@@ -14717,6 +14760,13 @@
   <p:clrMapOvr>
     <a:masterClrMapping/>
   </p:clrMapOvr>
+  <p:timing>
+    <p:tnLst>
+      <p:par>
+        <p:cTn id="1" dur="indefinite" restart="never" nodeType="tmRoot"/>
+      </p:par>
+    </p:tnLst>
+  </p:timing>
 </p:sld>
 </file>
 
@@ -14868,6 +14918,13 @@
   <p:clrMapOvr>
     <a:masterClrMapping/>
   </p:clrMapOvr>
+  <p:timing>
+    <p:tnLst>
+      <p:par>
+        <p:cTn id="1" dur="indefinite" restart="never" nodeType="tmRoot"/>
+      </p:par>
+    </p:tnLst>
+  </p:timing>
 </p:sld>
 </file>
 
@@ -15059,6 +15116,13 @@
   <p:clrMapOvr>
     <a:masterClrMapping/>
   </p:clrMapOvr>
+  <p:timing>
+    <p:tnLst>
+      <p:par>
+        <p:cTn id="1" dur="indefinite" restart="never" nodeType="tmRoot"/>
+      </p:par>
+    </p:tnLst>
+  </p:timing>
 </p:sld>
 </file>
 
@@ -15152,6 +15216,13 @@
   <p:clrMapOvr>
     <a:masterClrMapping/>
   </p:clrMapOvr>
+  <p:timing>
+    <p:tnLst>
+      <p:par>
+        <p:cTn id="1" dur="indefinite" restart="never" nodeType="tmRoot"/>
+      </p:par>
+    </p:tnLst>
+  </p:timing>
 </p:sld>
 </file>
 
@@ -15272,6 +15343,13 @@
   <p:clrMapOvr>
     <a:masterClrMapping/>
   </p:clrMapOvr>
+  <p:timing>
+    <p:tnLst>
+      <p:par>
+        <p:cTn id="1" dur="indefinite" restart="never" nodeType="tmRoot"/>
+      </p:par>
+    </p:tnLst>
+  </p:timing>
 </p:sld>
 </file>
 
@@ -15309,15 +15387,7 @@
           <a:p>
             <a:r>
               <a:rPr lang="en-US" dirty="0" smtClean="0"/>
-              <a:t>Pandas – what </a:t>
-            </a:r>
-            <a:r>
-              <a:rPr lang="en-US" dirty="0" smtClean="0"/>
-              <a:t>we will </a:t>
-            </a:r>
-            <a:r>
-              <a:rPr lang="en-US" dirty="0" smtClean="0"/>
-              <a:t>learn</a:t>
+              <a:t>Pandas – what we will learn</a:t>
             </a:r>
             <a:endParaRPr lang="en-US" dirty="0"/>
           </a:p>
@@ -15415,6 +15485,13 @@
   <p:clrMapOvr>
     <a:masterClrMapping/>
   </p:clrMapOvr>
+  <p:timing>
+    <p:tnLst>
+      <p:par>
+        <p:cTn id="1" dur="indefinite" restart="never" nodeType="tmRoot"/>
+      </p:par>
+    </p:tnLst>
+  </p:timing>
 </p:sld>
 </file>
 
@@ -15525,6 +15602,13 @@
   <p:clrMapOvr>
     <a:masterClrMapping/>
   </p:clrMapOvr>
+  <p:timing>
+    <p:tnLst>
+      <p:par>
+        <p:cTn id="1" dur="indefinite" restart="never" nodeType="tmRoot"/>
+      </p:par>
+    </p:tnLst>
+  </p:timing>
 </p:sld>
 </file>
 
@@ -15681,6 +15765,13 @@
   <p:clrMapOvr>
     <a:masterClrMapping/>
   </p:clrMapOvr>
+  <p:timing>
+    <p:tnLst>
+      <p:par>
+        <p:cTn id="1" dur="indefinite" restart="never" nodeType="tmRoot"/>
+      </p:par>
+    </p:tnLst>
+  </p:timing>
 </p:sld>
 </file>
 
@@ -15716,141 +15807,141 @@
           <a:bodyPr/>
           <a:lstStyle/>
           <a:p>
-            <a:endParaRPr lang="en-US"/>
+            <a:r>
+              <a:rPr lang="en-US" dirty="0" smtClean="0"/>
+              <a:t>Panel</a:t>
+            </a:r>
+            <a:endParaRPr lang="en-US" dirty="0"/>
           </a:p>
         </p:txBody>
       </p:sp>
-      <p:sp>
-        <p:nvSpPr>
-          <p:cNvPr id="3" name="Content Placeholder 2"/>
-          <p:cNvSpPr>
-            <a:spLocks noGrp="1"/>
-          </p:cNvSpPr>
+      <p:pic>
+        <p:nvPicPr>
+          <p:cNvPr id="1026" name="Picture 2"/>
+          <p:cNvPicPr>
+            <a:picLocks noGrp="1" noChangeAspect="1" noChangeArrowheads="1"/>
+          </p:cNvPicPr>
           <p:nvPr>
             <p:ph idx="1"/>
           </p:nvPr>
-        </p:nvSpPr>
-        <p:spPr/>
-        <p:txBody>
-          <a:bodyPr>
-            <a:normAutofit fontScale="92500" lnSpcReduction="20000"/>
-          </a:bodyPr>
-          <a:lstStyle/>
-          <a:p>
-            <a:r>
-              <a:rPr lang="en-US" dirty="0"/>
-              <a:t>data = </a:t>
-            </a:r>
-            <a:r>
-              <a:rPr lang="en-US" dirty="0" err="1"/>
-              <a:t>np.random.rand</a:t>
-            </a:r>
-            <a:r>
-              <a:rPr lang="en-US" dirty="0"/>
-              <a:t>(2,4,5)</a:t>
-            </a:r>
-          </a:p>
-          <a:p>
-            <a:r>
-              <a:rPr lang="en-US" dirty="0"/>
-              <a:t>p = </a:t>
-            </a:r>
-            <a:r>
-              <a:rPr lang="en-US" dirty="0" err="1"/>
-              <a:t>pd.Panel</a:t>
-            </a:r>
-            <a:r>
-              <a:rPr lang="en-US" dirty="0"/>
-              <a:t>(data)</a:t>
-            </a:r>
-          </a:p>
-          <a:p>
-            <a:r>
-              <a:rPr lang="en-US" dirty="0"/>
-              <a:t>print(p</a:t>
-            </a:r>
-            <a:r>
-              <a:rPr lang="en-US" dirty="0" smtClean="0"/>
-              <a:t>)</a:t>
-            </a:r>
-          </a:p>
-          <a:p>
-            <a:endParaRPr lang="en-US" dirty="0" smtClean="0"/>
-          </a:p>
-          <a:p>
-            <a:r>
-              <a:rPr lang="en-US" dirty="0"/>
-              <a:t>&lt;class '</a:t>
-            </a:r>
-            <a:r>
-              <a:rPr lang="en-US" dirty="0" err="1"/>
-              <a:t>pandas.core.panel.Panel</a:t>
-            </a:r>
-            <a:r>
-              <a:rPr lang="en-US" dirty="0"/>
-              <a:t>'&gt;</a:t>
-            </a:r>
-          </a:p>
-          <a:p>
-            <a:r>
-              <a:rPr lang="en-US" dirty="0"/>
-              <a:t>Dimensions: 2 (items) x 4 (</a:t>
-            </a:r>
-            <a:r>
-              <a:rPr lang="en-US" dirty="0" err="1"/>
-              <a:t>major_axis</a:t>
-            </a:r>
-            <a:r>
-              <a:rPr lang="en-US" dirty="0"/>
-              <a:t>) x 5 (</a:t>
-            </a:r>
-            <a:r>
-              <a:rPr lang="en-US" dirty="0" err="1"/>
-              <a:t>minor_axis</a:t>
-            </a:r>
-            <a:r>
-              <a:rPr lang="en-US" dirty="0"/>
-              <a:t>)</a:t>
-            </a:r>
-          </a:p>
-          <a:p>
-            <a:r>
-              <a:rPr lang="en-US" dirty="0"/>
-              <a:t>Items axis: 0 to 1</a:t>
-            </a:r>
-          </a:p>
-          <a:p>
-            <a:r>
-              <a:rPr lang="en-US" dirty="0" err="1"/>
-              <a:t>Major_axis</a:t>
-            </a:r>
-            <a:r>
-              <a:rPr lang="en-US" dirty="0"/>
-              <a:t> axis: 0 to 3</a:t>
-            </a:r>
-          </a:p>
-          <a:p>
-            <a:r>
-              <a:rPr lang="en-US" dirty="0" err="1"/>
-              <a:t>Minor_axis</a:t>
-            </a:r>
-            <a:r>
-              <a:rPr lang="en-US" dirty="0"/>
-              <a:t> axis: 0 to 4</a:t>
-            </a:r>
-          </a:p>
-        </p:txBody>
-      </p:sp>
+        </p:nvPicPr>
+        <p:blipFill>
+          <a:blip r:embed="rId2">
+            <a:extLst>
+              <a:ext uri="{28A0092B-C50C-407E-A947-70E740481C1C}">
+                <a14:useLocalDpi xmlns:a14="http://schemas.microsoft.com/office/drawing/2010/main" val="0"/>
+              </a:ext>
+            </a:extLst>
+          </a:blip>
+          <a:srcRect/>
+          <a:stretch>
+            <a:fillRect/>
+          </a:stretch>
+        </p:blipFill>
+        <p:spPr bwMode="auto">
+          <a:xfrm>
+            <a:off x="3124200" y="838200"/>
+            <a:ext cx="5143500" cy="2676525"/>
+          </a:xfrm>
+          <a:prstGeom prst="rect">
+            <a:avLst/>
+          </a:prstGeom>
+          <a:noFill/>
+          <a:ln>
+            <a:noFill/>
+          </a:ln>
+          <a:extLst>
+            <a:ext uri="{909E8E84-426E-40DD-AFC4-6F175D3DCCD1}">
+              <a14:hiddenFill xmlns:a14="http://schemas.microsoft.com/office/drawing/2010/main">
+                <a:solidFill>
+                  <a:schemeClr val="accent1"/>
+                </a:solidFill>
+              </a14:hiddenFill>
+            </a:ext>
+            <a:ext uri="{91240B29-F687-4F45-9708-019B960494DF}">
+              <a14:hiddenLine xmlns:a14="http://schemas.microsoft.com/office/drawing/2010/main" w="9525">
+                <a:solidFill>
+                  <a:schemeClr val="tx1"/>
+                </a:solidFill>
+                <a:miter lim="800000"/>
+                <a:headEnd/>
+                <a:tailEnd/>
+              </a14:hiddenLine>
+            </a:ext>
+          </a:extLst>
+        </p:spPr>
+      </p:pic>
+      <p:pic>
+        <p:nvPicPr>
+          <p:cNvPr id="1027" name="Picture 3"/>
+          <p:cNvPicPr>
+            <a:picLocks noChangeAspect="1" noChangeArrowheads="1"/>
+          </p:cNvPicPr>
+          <p:nvPr/>
+        </p:nvPicPr>
+        <p:blipFill>
+          <a:blip r:embed="rId3">
+            <a:extLst>
+              <a:ext uri="{28A0092B-C50C-407E-A947-70E740481C1C}">
+                <a14:useLocalDpi xmlns:a14="http://schemas.microsoft.com/office/drawing/2010/main" val="0"/>
+              </a:ext>
+            </a:extLst>
+          </a:blip>
+          <a:srcRect/>
+          <a:stretch>
+            <a:fillRect/>
+          </a:stretch>
+        </p:blipFill>
+        <p:spPr bwMode="auto">
+          <a:xfrm>
+            <a:off x="1219200" y="3962400"/>
+            <a:ext cx="7010400" cy="1885950"/>
+          </a:xfrm>
+          <a:prstGeom prst="rect">
+            <a:avLst/>
+          </a:prstGeom>
+          <a:noFill/>
+          <a:ln>
+            <a:noFill/>
+          </a:ln>
+          <a:extLst>
+            <a:ext uri="{909E8E84-426E-40DD-AFC4-6F175D3DCCD1}">
+              <a14:hiddenFill xmlns:a14="http://schemas.microsoft.com/office/drawing/2010/main">
+                <a:solidFill>
+                  <a:schemeClr val="accent1"/>
+                </a:solidFill>
+              </a14:hiddenFill>
+            </a:ext>
+            <a:ext uri="{91240B29-F687-4F45-9708-019B960494DF}">
+              <a14:hiddenLine xmlns:a14="http://schemas.microsoft.com/office/drawing/2010/main" w="9525">
+                <a:solidFill>
+                  <a:schemeClr val="tx1"/>
+                </a:solidFill>
+                <a:miter lim="800000"/>
+                <a:headEnd/>
+                <a:tailEnd/>
+              </a14:hiddenLine>
+            </a:ext>
+          </a:extLst>
+        </p:spPr>
+      </p:pic>
     </p:spTree>
     <p:extLst>
       <p:ext uri="{BB962C8B-B14F-4D97-AF65-F5344CB8AC3E}">
-        <p14:creationId xmlns:p14="http://schemas.microsoft.com/office/powerpoint/2010/main" val="3769768725"/>
+        <p14:creationId xmlns:p14="http://schemas.microsoft.com/office/powerpoint/2010/main" val="1155916492"/>
       </p:ext>
     </p:extLst>
   </p:cSld>
   <p:clrMapOvr>
     <a:masterClrMapping/>
   </p:clrMapOvr>
+  <p:timing>
+    <p:tnLst>
+      <p:par>
+        <p:cTn id="1" dur="indefinite" restart="never" nodeType="tmRoot"/>
+      </p:par>
+    </p:tnLst>
+  </p:timing>
 </p:sld>
 </file>
 
@@ -15903,6 +15994,183 @@
         <p:spPr/>
         <p:txBody>
           <a:bodyPr>
+            <a:normAutofit fontScale="92500" lnSpcReduction="20000"/>
+          </a:bodyPr>
+          <a:lstStyle/>
+          <a:p>
+            <a:r>
+              <a:rPr lang="en-US" dirty="0"/>
+              <a:t>data = </a:t>
+            </a:r>
+            <a:r>
+              <a:rPr lang="en-US" dirty="0" err="1"/>
+              <a:t>np.random.rand</a:t>
+            </a:r>
+            <a:r>
+              <a:rPr lang="en-US" dirty="0"/>
+              <a:t>(2,4,5)</a:t>
+            </a:r>
+          </a:p>
+          <a:p>
+            <a:r>
+              <a:rPr lang="en-US" dirty="0"/>
+              <a:t>p = </a:t>
+            </a:r>
+            <a:r>
+              <a:rPr lang="en-US" dirty="0" err="1"/>
+              <a:t>pd.Panel</a:t>
+            </a:r>
+            <a:r>
+              <a:rPr lang="en-US" dirty="0"/>
+              <a:t>(data)</a:t>
+            </a:r>
+          </a:p>
+          <a:p>
+            <a:r>
+              <a:rPr lang="en-US" dirty="0"/>
+              <a:t>print(p</a:t>
+            </a:r>
+            <a:r>
+              <a:rPr lang="en-US" dirty="0" smtClean="0"/>
+              <a:t>)</a:t>
+            </a:r>
+          </a:p>
+          <a:p>
+            <a:endParaRPr lang="en-US" dirty="0" smtClean="0"/>
+          </a:p>
+          <a:p>
+            <a:r>
+              <a:rPr lang="en-US" dirty="0"/>
+              <a:t>&lt;class '</a:t>
+            </a:r>
+            <a:r>
+              <a:rPr lang="en-US" dirty="0" err="1"/>
+              <a:t>pandas.core.panel.Panel</a:t>
+            </a:r>
+            <a:r>
+              <a:rPr lang="en-US" dirty="0"/>
+              <a:t>'&gt;</a:t>
+            </a:r>
+          </a:p>
+          <a:p>
+            <a:r>
+              <a:rPr lang="en-US" dirty="0"/>
+              <a:t>Dimensions: 2 (items) x 4 (</a:t>
+            </a:r>
+            <a:r>
+              <a:rPr lang="en-US" dirty="0" err="1"/>
+              <a:t>major_axis</a:t>
+            </a:r>
+            <a:r>
+              <a:rPr lang="en-US" dirty="0"/>
+              <a:t>) x 5 (</a:t>
+            </a:r>
+            <a:r>
+              <a:rPr lang="en-US" dirty="0" err="1"/>
+              <a:t>minor_axis</a:t>
+            </a:r>
+            <a:r>
+              <a:rPr lang="en-US" dirty="0"/>
+              <a:t>)</a:t>
+            </a:r>
+          </a:p>
+          <a:p>
+            <a:r>
+              <a:rPr lang="en-US" dirty="0"/>
+              <a:t>Items axis: 0 to 1</a:t>
+            </a:r>
+          </a:p>
+          <a:p>
+            <a:r>
+              <a:rPr lang="en-US" dirty="0" err="1"/>
+              <a:t>Major_axis</a:t>
+            </a:r>
+            <a:r>
+              <a:rPr lang="en-US" dirty="0"/>
+              <a:t> axis: 0 to 3</a:t>
+            </a:r>
+          </a:p>
+          <a:p>
+            <a:r>
+              <a:rPr lang="en-US" dirty="0" err="1"/>
+              <a:t>Minor_axis</a:t>
+            </a:r>
+            <a:r>
+              <a:rPr lang="en-US" dirty="0"/>
+              <a:t> axis: 0 to 4</a:t>
+            </a:r>
+          </a:p>
+        </p:txBody>
+      </p:sp>
+    </p:spTree>
+    <p:extLst>
+      <p:ext uri="{BB962C8B-B14F-4D97-AF65-F5344CB8AC3E}">
+        <p14:creationId xmlns:p14="http://schemas.microsoft.com/office/powerpoint/2010/main" val="3769768725"/>
+      </p:ext>
+    </p:extLst>
+  </p:cSld>
+  <p:clrMapOvr>
+    <a:masterClrMapping/>
+  </p:clrMapOvr>
+  <p:timing>
+    <p:tnLst>
+      <p:par>
+        <p:cTn id="1" dur="indefinite" restart="never" nodeType="tmRoot"/>
+      </p:par>
+    </p:tnLst>
+  </p:timing>
+</p:sld>
+</file>
+
+<file path=ppt/slides/slide24.xml><?xml version="1.0" encoding="utf-8"?>
+<p:sld xmlns:a="http://schemas.openxmlformats.org/drawingml/2006/main" xmlns:r="http://schemas.openxmlformats.org/officeDocument/2006/relationships" xmlns:p="http://schemas.openxmlformats.org/presentationml/2006/main">
+  <p:cSld>
+    <p:spTree>
+      <p:nvGrpSpPr>
+        <p:cNvPr id="1" name=""/>
+        <p:cNvGrpSpPr/>
+        <p:nvPr/>
+      </p:nvGrpSpPr>
+      <p:grpSpPr>
+        <a:xfrm>
+          <a:off x="0" y="0"/>
+          <a:ext cx="0" cy="0"/>
+          <a:chOff x="0" y="0"/>
+          <a:chExt cx="0" cy="0"/>
+        </a:xfrm>
+      </p:grpSpPr>
+      <p:sp>
+        <p:nvSpPr>
+          <p:cNvPr id="2" name="Title 1"/>
+          <p:cNvSpPr>
+            <a:spLocks noGrp="1"/>
+          </p:cNvSpPr>
+          <p:nvPr>
+            <p:ph type="title"/>
+          </p:nvPr>
+        </p:nvSpPr>
+        <p:spPr/>
+        <p:txBody>
+          <a:bodyPr/>
+          <a:lstStyle/>
+          <a:p>
+            <a:endParaRPr lang="en-US"/>
+          </a:p>
+        </p:txBody>
+      </p:sp>
+      <p:sp>
+        <p:nvSpPr>
+          <p:cNvPr id="3" name="Content Placeholder 2"/>
+          <p:cNvSpPr>
+            <a:spLocks noGrp="1"/>
+          </p:cNvSpPr>
+          <p:nvPr>
+            <p:ph idx="1"/>
+          </p:nvPr>
+        </p:nvSpPr>
+        <p:spPr/>
+        <p:txBody>
+          <a:bodyPr>
             <a:normAutofit fontScale="62500" lnSpcReduction="20000"/>
           </a:bodyPr>
           <a:lstStyle/>
@@ -16089,10 +16357,17 @@
   <p:clrMapOvr>
     <a:masterClrMapping/>
   </p:clrMapOvr>
+  <p:timing>
+    <p:tnLst>
+      <p:par>
+        <p:cTn id="1" dur="indefinite" restart="never" nodeType="tmRoot"/>
+      </p:par>
+    </p:tnLst>
+  </p:timing>
 </p:sld>
 </file>
 
-<file path=ppt/slides/slide24.xml><?xml version="1.0" encoding="utf-8"?>
+<file path=ppt/slides/slide25.xml><?xml version="1.0" encoding="utf-8"?>
 <p:sld xmlns:a="http://schemas.openxmlformats.org/drawingml/2006/main" xmlns:r="http://schemas.openxmlformats.org/officeDocument/2006/relationships" xmlns:p="http://schemas.openxmlformats.org/presentationml/2006/main">
   <p:cSld>
     <p:spTree>
@@ -16194,126 +16469,13 @@
   <p:clrMapOvr>
     <a:masterClrMapping/>
   </p:clrMapOvr>
-</p:sld>
-</file>
-
-<file path=ppt/slides/slide25.xml><?xml version="1.0" encoding="utf-8"?>
-<p:sld xmlns:a="http://schemas.openxmlformats.org/drawingml/2006/main" xmlns:r="http://schemas.openxmlformats.org/officeDocument/2006/relationships" xmlns:p="http://schemas.openxmlformats.org/presentationml/2006/main">
-  <p:cSld>
-    <p:spTree>
-      <p:nvGrpSpPr>
-        <p:cNvPr id="1" name=""/>
-        <p:cNvGrpSpPr/>
-        <p:nvPr/>
-      </p:nvGrpSpPr>
-      <p:grpSpPr>
-        <a:xfrm>
-          <a:off x="0" y="0"/>
-          <a:ext cx="0" cy="0"/>
-          <a:chOff x="0" y="0"/>
-          <a:chExt cx="0" cy="0"/>
-        </a:xfrm>
-      </p:grpSpPr>
-      <p:sp>
-        <p:nvSpPr>
-          <p:cNvPr id="2" name="Title 1"/>
-          <p:cNvSpPr>
-            <a:spLocks noGrp="1"/>
-          </p:cNvSpPr>
-          <p:nvPr>
-            <p:ph type="title"/>
-          </p:nvPr>
-        </p:nvSpPr>
-        <p:spPr/>
-        <p:txBody>
-          <a:bodyPr/>
-          <a:lstStyle/>
-          <a:p>
-            <a:r>
-              <a:rPr lang="en-US" dirty="0" err="1" smtClean="0"/>
-              <a:t>impt</a:t>
-            </a:r>
-            <a:endParaRPr lang="en-US" dirty="0"/>
-          </a:p>
-        </p:txBody>
-      </p:sp>
-      <p:sp>
-        <p:nvSpPr>
-          <p:cNvPr id="3" name="Content Placeholder 2"/>
-          <p:cNvSpPr>
-            <a:spLocks noGrp="1"/>
-          </p:cNvSpPr>
-          <p:nvPr>
-            <p:ph idx="1"/>
-          </p:nvPr>
-        </p:nvSpPr>
-        <p:spPr/>
-        <p:txBody>
-          <a:bodyPr>
-            <a:normAutofit/>
-          </a:bodyPr>
-          <a:lstStyle/>
-          <a:p>
-            <a:r>
-              <a:rPr lang="en-US" dirty="0"/>
-              <a:t>import pandas as </a:t>
-            </a:r>
-            <a:r>
-              <a:rPr lang="en-US" dirty="0" err="1"/>
-              <a:t>pd</a:t>
-            </a:r>
-            <a:r>
-              <a:rPr lang="en-US" dirty="0"/>
-              <a:t/>
-            </a:r>
-            <a:br>
-              <a:rPr lang="en-US" dirty="0"/>
-            </a:br>
-            <a:r>
-              <a:rPr lang="en-US" dirty="0"/>
-              <a:t>import </a:t>
-            </a:r>
-            <a:r>
-              <a:rPr lang="en-US" dirty="0" err="1"/>
-              <a:t>numpy</a:t>
-            </a:r>
-            <a:r>
-              <a:rPr lang="en-US" dirty="0"/>
-              <a:t> as np</a:t>
-            </a:r>
-            <a:br>
-              <a:rPr lang="en-US" dirty="0"/>
-            </a:br>
-            <a:r>
-              <a:rPr lang="en-US" dirty="0" smtClean="0"/>
-              <a:t>import </a:t>
-            </a:r>
-            <a:r>
-              <a:rPr lang="en-US" dirty="0" err="1"/>
-              <a:t>matplotlib.pyplot</a:t>
-            </a:r>
-            <a:r>
-              <a:rPr lang="en-US" dirty="0"/>
-              <a:t> as </a:t>
-            </a:r>
-            <a:r>
-              <a:rPr lang="en-US" dirty="0" err="1"/>
-              <a:t>plt</a:t>
-            </a:r>
-            <a:endParaRPr lang="en-US" dirty="0"/>
-          </a:p>
-        </p:txBody>
-      </p:sp>
-    </p:spTree>
-    <p:extLst>
-      <p:ext uri="{BB962C8B-B14F-4D97-AF65-F5344CB8AC3E}">
-        <p14:creationId xmlns:p14="http://schemas.microsoft.com/office/powerpoint/2010/main" val="2050864533"/>
-      </p:ext>
-    </p:extLst>
-  </p:cSld>
-  <p:clrMapOvr>
-    <a:masterClrMapping/>
-  </p:clrMapOvr>
+  <p:timing>
+    <p:tnLst>
+      <p:par>
+        <p:cTn id="1" dur="indefinite" restart="never" nodeType="tmRoot"/>
+      </p:par>
+    </p:tnLst>
+  </p:timing>
 </p:sld>
 </file>
 
@@ -16350,8 +16512,8 @@
           <a:lstStyle/>
           <a:p>
             <a:r>
-              <a:rPr lang="en-US" dirty="0" smtClean="0"/>
-              <a:t>Basic - data Verification</a:t>
+              <a:rPr lang="en-US" dirty="0" err="1" smtClean="0"/>
+              <a:t>impt</a:t>
             </a:r>
             <a:endParaRPr lang="en-US" dirty="0"/>
           </a:p>
@@ -16370,300 +16532,77 @@
         <p:spPr/>
         <p:txBody>
           <a:bodyPr>
-            <a:normAutofit fontScale="77500" lnSpcReduction="20000"/>
+            <a:normAutofit/>
           </a:bodyPr>
           <a:lstStyle/>
           <a:p>
             <a:r>
-              <a:rPr lang="en-US" dirty="0" err="1"/>
-              <a:t>df</a:t>
-            </a:r>
-            <a:r>
-              <a:rPr lang="en-US" dirty="0"/>
-              <a:t> = </a:t>
+              <a:rPr lang="en-US" dirty="0"/>
+              <a:t>import pandas as </a:t>
             </a:r>
             <a:r>
               <a:rPr lang="en-US" dirty="0" err="1"/>
               <a:t>pd</a:t>
             </a:r>
             <a:r>
-              <a:rPr lang="en-US" b="1" dirty="0" err="1">
-                <a:solidFill>
-                  <a:srgbClr val="FF0000"/>
-                </a:solidFill>
-              </a:rPr>
-              <a:t>.read_csv</a:t>
-            </a:r>
-            <a:r>
-              <a:rPr lang="en-US" dirty="0"/>
-              <a:t>('C:\\Users\\</a:t>
+              <a:rPr lang="en-US" dirty="0"/>
+              <a:t/>
+            </a:r>
+            <a:br>
+              <a:rPr lang="en-US" dirty="0"/>
+            </a:br>
+            <a:r>
+              <a:rPr lang="en-US" dirty="0"/>
+              <a:t>import </a:t>
             </a:r>
             <a:r>
               <a:rPr lang="en-US" dirty="0" err="1"/>
-              <a:t>radha</a:t>
-            </a:r>
-            <a:r>
-              <a:rPr lang="en-US" dirty="0"/>
-              <a:t>\\Desktop\\</a:t>
+              <a:t>numpy</a:t>
+            </a:r>
+            <a:r>
+              <a:rPr lang="en-US" dirty="0"/>
+              <a:t> as np</a:t>
+            </a:r>
+            <a:br>
+              <a:rPr lang="en-US" dirty="0"/>
+            </a:br>
+            <a:r>
+              <a:rPr lang="en-US" dirty="0" smtClean="0"/>
+              <a:t>import </a:t>
             </a:r>
             <a:r>
               <a:rPr lang="en-US" dirty="0" err="1"/>
-              <a:t>weka</a:t>
-            </a:r>
-            <a:r>
-              <a:rPr lang="en-US" dirty="0"/>
-              <a:t> analysis\\wekadata1.csv')</a:t>
-            </a:r>
-            <a:br>
-              <a:rPr lang="en-US" dirty="0"/>
-            </a:br>
-            <a:r>
-              <a:rPr lang="en-US" dirty="0"/>
-              <a:t>print(</a:t>
-            </a:r>
-            <a:r>
-              <a:rPr lang="en-US" b="1" dirty="0"/>
-              <a:t>type</a:t>
-            </a:r>
-            <a:r>
-              <a:rPr lang="en-US" dirty="0"/>
-              <a:t>(</a:t>
+              <a:t>matplotlib.pyplot</a:t>
+            </a:r>
+            <a:r>
+              <a:rPr lang="en-US" dirty="0"/>
+              <a:t> as </a:t>
             </a:r>
             <a:r>
               <a:rPr lang="en-US" dirty="0" err="1"/>
-              <a:t>df</a:t>
-            </a:r>
-            <a:r>
-              <a:rPr lang="en-US" dirty="0"/>
-              <a:t>))</a:t>
-            </a:r>
-            <a:br>
-              <a:rPr lang="en-US" dirty="0"/>
-            </a:br>
-            <a:r>
-              <a:rPr lang="en-US" dirty="0"/>
-              <a:t># Use the `shape` property</a:t>
-            </a:r>
-            <a:br>
-              <a:rPr lang="en-US" dirty="0"/>
-            </a:br>
-            <a:r>
-              <a:rPr lang="en-US" dirty="0"/>
-              <a:t>print(</a:t>
-            </a:r>
-            <a:r>
-              <a:rPr lang="en-US" dirty="0" err="1"/>
-              <a:t>df.</a:t>
-            </a:r>
-            <a:r>
-              <a:rPr lang="en-US" b="1" dirty="0" err="1">
-                <a:solidFill>
-                  <a:srgbClr val="FF0000"/>
-                </a:solidFill>
-              </a:rPr>
-              <a:t>shape</a:t>
-            </a:r>
-            <a:r>
-              <a:rPr lang="en-US" dirty="0"/>
-              <a:t>)</a:t>
-            </a:r>
-            <a:br>
-              <a:rPr lang="en-US" dirty="0"/>
-            </a:br>
-            <a:r>
-              <a:rPr lang="en-US" dirty="0"/>
-              <a:t/>
-            </a:r>
-            <a:br>
-              <a:rPr lang="en-US" dirty="0"/>
-            </a:br>
-            <a:r>
-              <a:rPr lang="en-US" dirty="0"/>
-              <a:t># Or use the `</a:t>
-            </a:r>
-            <a:r>
-              <a:rPr lang="en-US" dirty="0" err="1"/>
-              <a:t>len</a:t>
-            </a:r>
-            <a:r>
-              <a:rPr lang="en-US" dirty="0"/>
-              <a:t>()` function with the `index` property</a:t>
-            </a:r>
-            <a:br>
-              <a:rPr lang="en-US" dirty="0"/>
-            </a:br>
-            <a:r>
-              <a:rPr lang="en-US" dirty="0"/>
-              <a:t>print(</a:t>
-            </a:r>
-            <a:r>
-              <a:rPr lang="en-US" b="1" dirty="0" err="1"/>
-              <a:t>len</a:t>
-            </a:r>
-            <a:r>
-              <a:rPr lang="en-US" dirty="0"/>
-              <a:t>(</a:t>
-            </a:r>
-            <a:r>
-              <a:rPr lang="en-US" dirty="0" err="1"/>
-              <a:t>df.</a:t>
-            </a:r>
-            <a:r>
-              <a:rPr lang="en-US" b="1" dirty="0" err="1">
-                <a:solidFill>
-                  <a:srgbClr val="FF0000"/>
-                </a:solidFill>
-              </a:rPr>
-              <a:t>index</a:t>
-            </a:r>
-            <a:r>
-              <a:rPr lang="en-US" dirty="0"/>
-              <a:t>))</a:t>
-            </a:r>
-            <a:br>
-              <a:rPr lang="en-US" dirty="0"/>
-            </a:br>
-            <a:r>
-              <a:rPr lang="en-US" dirty="0"/>
-              <a:t>print(</a:t>
-            </a:r>
-            <a:r>
-              <a:rPr lang="en-US" dirty="0" err="1"/>
-              <a:t>df.</a:t>
-            </a:r>
-            <a:r>
-              <a:rPr lang="en-US" b="1" dirty="0" err="1">
-                <a:solidFill>
-                  <a:srgbClr val="FF0000"/>
-                </a:solidFill>
-              </a:rPr>
-              <a:t>count</a:t>
-            </a:r>
-            <a:r>
-              <a:rPr lang="en-US" dirty="0"/>
-              <a:t>())</a:t>
-            </a:r>
-            <a:br>
-              <a:rPr lang="en-US" dirty="0"/>
-            </a:br>
-            <a:r>
-              <a:rPr lang="en-US" dirty="0"/>
-              <a:t>print(</a:t>
-            </a:r>
-            <a:r>
-              <a:rPr lang="en-US" dirty="0" err="1"/>
-              <a:t>df.</a:t>
-            </a:r>
-            <a:r>
-              <a:rPr lang="en-US" b="1" dirty="0" err="1">
-                <a:solidFill>
-                  <a:srgbClr val="FF0000"/>
-                </a:solidFill>
-              </a:rPr>
-              <a:t>head</a:t>
-            </a:r>
-            <a:r>
-              <a:rPr lang="en-US" dirty="0"/>
-              <a:t>())</a:t>
-            </a:r>
-            <a:br>
-              <a:rPr lang="en-US" dirty="0"/>
-            </a:br>
-            <a:r>
-              <a:rPr lang="en-US" dirty="0"/>
-              <a:t>print(</a:t>
-            </a:r>
-            <a:r>
-              <a:rPr lang="en-US" dirty="0" err="1"/>
-              <a:t>df.</a:t>
-            </a:r>
-            <a:r>
-              <a:rPr lang="en-US" b="1" dirty="0" err="1">
-                <a:solidFill>
-                  <a:srgbClr val="FF0000"/>
-                </a:solidFill>
-              </a:rPr>
-              <a:t>loc</a:t>
-            </a:r>
-            <a:r>
-              <a:rPr lang="en-US" dirty="0"/>
-              <a:t>[:5,'P_calories'])</a:t>
-            </a:r>
-            <a:br>
-              <a:rPr lang="en-US" dirty="0"/>
-            </a:br>
-            <a:r>
-              <a:rPr lang="en-US" dirty="0"/>
-              <a:t>print(</a:t>
-            </a:r>
-            <a:r>
-              <a:rPr lang="en-US" dirty="0" err="1"/>
-              <a:t>df.</a:t>
-            </a:r>
-            <a:r>
-              <a:rPr lang="en-US" b="1" dirty="0" err="1">
-                <a:solidFill>
-                  <a:srgbClr val="FF0000"/>
-                </a:solidFill>
-              </a:rPr>
-              <a:t>iloc</a:t>
-            </a:r>
-            <a:r>
-              <a:rPr lang="en-US" dirty="0"/>
-              <a:t>[:5,2])</a:t>
-            </a:r>
-            <a:br>
-              <a:rPr lang="en-US" dirty="0"/>
-            </a:br>
-            <a:r>
-              <a:rPr lang="en-US" dirty="0"/>
-              <a:t>print(</a:t>
-            </a:r>
-            <a:r>
-              <a:rPr lang="en-US" dirty="0" err="1"/>
-              <a:t>df.loc</a:t>
-            </a:r>
-            <a:r>
-              <a:rPr lang="en-US" dirty="0"/>
-              <a:t>[:5</a:t>
-            </a:r>
-            <a:r>
-              <a:rPr lang="en-US" b="1" dirty="0">
-                <a:solidFill>
-                  <a:srgbClr val="FF0000"/>
-                </a:solidFill>
-              </a:rPr>
-              <a:t>,['P_calories','</a:t>
-            </a:r>
-            <a:r>
-              <a:rPr lang="en-US" b="1" dirty="0" err="1">
-                <a:solidFill>
-                  <a:srgbClr val="FF0000"/>
-                </a:solidFill>
-              </a:rPr>
-              <a:t>U_choleste</a:t>
-            </a:r>
-            <a:r>
-              <a:rPr lang="en-US" dirty="0" err="1"/>
-              <a:t>rol</a:t>
-            </a:r>
-            <a:r>
-              <a:rPr lang="en-US" dirty="0"/>
-              <a:t>']])</a:t>
-            </a:r>
+              <a:t>plt</a:t>
+            </a:r>
+            <a:endParaRPr lang="en-US" dirty="0"/>
           </a:p>
         </p:txBody>
       </p:sp>
     </p:spTree>
     <p:extLst>
       <p:ext uri="{BB962C8B-B14F-4D97-AF65-F5344CB8AC3E}">
-        <p14:creationId xmlns:p14="http://schemas.microsoft.com/office/powerpoint/2010/main" val="1019337563"/>
+        <p14:creationId xmlns:p14="http://schemas.microsoft.com/office/powerpoint/2010/main" val="2050864533"/>
       </p:ext>
     </p:extLst>
   </p:cSld>
   <p:clrMapOvr>
     <a:masterClrMapping/>
   </p:clrMapOvr>
+  <p:timing>
+    <p:tnLst>
+      <p:par>
+        <p:cTn id="1" dur="indefinite" restart="never" nodeType="tmRoot"/>
+      </p:par>
+    </p:tnLst>
+  </p:timing>
 </p:sld>
 </file>
 
@@ -16701,7 +16640,7 @@
           <a:p>
             <a:r>
               <a:rPr lang="en-US" dirty="0" smtClean="0"/>
-              <a:t>Summary stats Output</a:t>
+              <a:t>Basic - data Verification</a:t>
             </a:r>
             <a:endParaRPr lang="en-US" dirty="0"/>
           </a:p>
@@ -16719,35 +16658,107 @@
         </p:nvSpPr>
         <p:spPr/>
         <p:txBody>
-          <a:bodyPr/>
+          <a:bodyPr>
+            <a:normAutofit fontScale="77500" lnSpcReduction="20000"/>
+          </a:bodyPr>
           <a:lstStyle/>
           <a:p>
-            <a:r>
-              <a:rPr lang="en-US" dirty="0"/>
-              <a:t>df2 = </a:t>
-            </a:r>
             <a:r>
               <a:rPr lang="en-US" dirty="0" err="1"/>
               <a:t>df</a:t>
             </a:r>
             <a:r>
               <a:rPr lang="en-US" dirty="0"/>
-              <a:t>['</a:t>
+              <a:t> = </a:t>
             </a:r>
             <a:r>
               <a:rPr lang="en-US" dirty="0" err="1"/>
-              <a:t>P_calories</a:t>
-            </a:r>
-            <a:r>
-              <a:rPr lang="en-US" dirty="0"/>
-              <a:t>'].describe</a:t>
-            </a:r>
-            <a:r>
-              <a:rPr lang="en-US" dirty="0" smtClean="0"/>
-              <a:t>()</a:t>
-            </a:r>
-          </a:p>
-          <a:p>
+              <a:t>pd</a:t>
+            </a:r>
+            <a:r>
+              <a:rPr lang="en-US" b="1" dirty="0" err="1">
+                <a:solidFill>
+                  <a:srgbClr val="FF0000"/>
+                </a:solidFill>
+              </a:rPr>
+              <a:t>.read_csv</a:t>
+            </a:r>
+            <a:r>
+              <a:rPr lang="en-US" dirty="0"/>
+              <a:t>('C:\\Users\\</a:t>
+            </a:r>
+            <a:r>
+              <a:rPr lang="en-US" dirty="0" err="1"/>
+              <a:t>radha</a:t>
+            </a:r>
+            <a:r>
+              <a:rPr lang="en-US" dirty="0"/>
+              <a:t>\\Desktop\\</a:t>
+            </a:r>
+            <a:r>
+              <a:rPr lang="en-US" dirty="0" err="1"/>
+              <a:t>weka</a:t>
+            </a:r>
+            <a:r>
+              <a:rPr lang="en-US" dirty="0"/>
+              <a:t> analysis\\wekadata1.csv')</a:t>
+            </a:r>
+            <a:br>
+              <a:rPr lang="en-US" dirty="0"/>
+            </a:br>
+            <a:r>
+              <a:rPr lang="en-US" dirty="0"/>
+              <a:t>print(</a:t>
+            </a:r>
+            <a:r>
+              <a:rPr lang="en-US" b="1" dirty="0"/>
+              <a:t>type</a:t>
+            </a:r>
+            <a:r>
+              <a:rPr lang="en-US" dirty="0"/>
+              <a:t>(</a:t>
+            </a:r>
+            <a:r>
+              <a:rPr lang="en-US" dirty="0" err="1"/>
+              <a:t>df</a:t>
+            </a:r>
+            <a:r>
+              <a:rPr lang="en-US" dirty="0"/>
+              <a:t>))</a:t>
+            </a:r>
+            <a:br>
+              <a:rPr lang="en-US" dirty="0"/>
+            </a:br>
+            <a:r>
+              <a:rPr lang="en-US" dirty="0"/>
+              <a:t># Use the `shape` property</a:t>
+            </a:r>
+            <a:br>
+              <a:rPr lang="en-US" dirty="0"/>
+            </a:br>
+            <a:r>
+              <a:rPr lang="en-US" dirty="0"/>
+              <a:t>print(</a:t>
+            </a:r>
+            <a:r>
+              <a:rPr lang="en-US" dirty="0" err="1"/>
+              <a:t>df.</a:t>
+            </a:r>
+            <a:r>
+              <a:rPr lang="en-US" b="1" dirty="0" err="1">
+                <a:solidFill>
+                  <a:srgbClr val="FF0000"/>
+                </a:solidFill>
+              </a:rPr>
+              <a:t>shape</a:t>
+            </a:r>
+            <a:r>
+              <a:rPr lang="en-US" dirty="0"/>
+              <a:t>)</a:t>
+            </a:r>
+            <a:br>
+              <a:rPr lang="en-US" dirty="0"/>
+            </a:br>
             <a:r>
               <a:rPr lang="en-US" dirty="0"/>
               <a:t/>
@@ -16756,29 +16767,178 @@
               <a:rPr lang="en-US" dirty="0"/>
             </a:br>
             <a:r>
+              <a:rPr lang="en-US" dirty="0"/>
+              <a:t># Or use the `</a:t>
+            </a:r>
+            <a:r>
               <a:rPr lang="en-US" dirty="0" err="1"/>
-              <a:t>pd.options.display.float_format</a:t>
-            </a:r>
-            <a:r>
-              <a:rPr lang="en-US" dirty="0"/>
-              <a:t> = '{:,.2f}'.</a:t>
-            </a:r>
-            <a:r>
-              <a:rPr lang="en-US" dirty="0" smtClean="0"/>
-              <a:t>format</a:t>
-            </a:r>
-          </a:p>
-          <a:p>
-            <a:r>
-              <a:rPr lang="en-US" dirty="0"/>
-              <a:t/>
+              <a:t>len</a:t>
+            </a:r>
+            <a:r>
+              <a:rPr lang="en-US" dirty="0"/>
+              <a:t>()` function with the `index` property</a:t>
             </a:r>
             <a:br>
               <a:rPr lang="en-US" dirty="0"/>
             </a:br>
             <a:r>
               <a:rPr lang="en-US" dirty="0"/>
-              <a:t>print(df2)</a:t>
+              <a:t>print(</a:t>
+            </a:r>
+            <a:r>
+              <a:rPr lang="en-US" b="1" dirty="0" err="1"/>
+              <a:t>len</a:t>
+            </a:r>
+            <a:r>
+              <a:rPr lang="en-US" dirty="0"/>
+              <a:t>(</a:t>
+            </a:r>
+            <a:r>
+              <a:rPr lang="en-US" dirty="0" err="1"/>
+              <a:t>df.</a:t>
+            </a:r>
+            <a:r>
+              <a:rPr lang="en-US" b="1" dirty="0" err="1">
+                <a:solidFill>
+                  <a:srgbClr val="FF0000"/>
+                </a:solidFill>
+              </a:rPr>
+              <a:t>index</a:t>
+            </a:r>
+            <a:r>
+              <a:rPr lang="en-US" dirty="0"/>
+              <a:t>))</a:t>
+            </a:r>
+            <a:br>
+              <a:rPr lang="en-US" dirty="0"/>
+            </a:br>
+            <a:r>
+              <a:rPr lang="en-US" dirty="0"/>
+              <a:t>print(</a:t>
+            </a:r>
+            <a:r>
+              <a:rPr lang="en-US" dirty="0" err="1"/>
+              <a:t>df.</a:t>
+            </a:r>
+            <a:r>
+              <a:rPr lang="en-US" b="1" dirty="0" err="1">
+                <a:solidFill>
+                  <a:srgbClr val="FF0000"/>
+                </a:solidFill>
+              </a:rPr>
+              <a:t>count</a:t>
+            </a:r>
+            <a:r>
+              <a:rPr lang="en-US" dirty="0"/>
+              <a:t>())</a:t>
+            </a:r>
+            <a:br>
+              <a:rPr lang="en-US" dirty="0"/>
+            </a:br>
+            <a:r>
+              <a:rPr lang="en-US" dirty="0"/>
+              <a:t>print(</a:t>
+            </a:r>
+            <a:r>
+              <a:rPr lang="en-US" dirty="0" err="1"/>
+              <a:t>df.</a:t>
+            </a:r>
+            <a:r>
+              <a:rPr lang="en-US" b="1" dirty="0" err="1">
+                <a:solidFill>
+                  <a:srgbClr val="FF0000"/>
+                </a:solidFill>
+              </a:rPr>
+              <a:t>head</a:t>
+            </a:r>
+            <a:r>
+              <a:rPr lang="en-US" dirty="0"/>
+              <a:t>())</a:t>
+            </a:r>
+            <a:br>
+              <a:rPr lang="en-US" dirty="0"/>
+            </a:br>
+            <a:r>
+              <a:rPr lang="en-US" dirty="0"/>
+              <a:t>print(</a:t>
+            </a:r>
+            <a:r>
+              <a:rPr lang="en-US" dirty="0" err="1"/>
+              <a:t>df.</a:t>
+            </a:r>
+            <a:r>
+              <a:rPr lang="en-US" b="1" dirty="0" err="1">
+                <a:solidFill>
+                  <a:srgbClr val="FF0000"/>
+                </a:solidFill>
+              </a:rPr>
+              <a:t>loc</a:t>
+            </a:r>
+            <a:r>
+              <a:rPr lang="en-US" dirty="0"/>
+              <a:t>[:5,'P_calories'])</a:t>
+            </a:r>
+            <a:br>
+              <a:rPr lang="en-US" dirty="0"/>
+            </a:br>
+            <a:r>
+              <a:rPr lang="en-US" dirty="0"/>
+              <a:t>print(</a:t>
+            </a:r>
+            <a:r>
+              <a:rPr lang="en-US" dirty="0" err="1"/>
+              <a:t>df.</a:t>
+            </a:r>
+            <a:r>
+              <a:rPr lang="en-US" b="1" dirty="0" err="1">
+                <a:solidFill>
+                  <a:srgbClr val="FF0000"/>
+                </a:solidFill>
+              </a:rPr>
+              <a:t>iloc</a:t>
+            </a:r>
+            <a:r>
+              <a:rPr lang="en-US" dirty="0"/>
+              <a:t>[:5,2])</a:t>
+            </a:r>
+            <a:br>
+              <a:rPr lang="en-US" dirty="0"/>
+            </a:br>
+            <a:r>
+              <a:rPr lang="en-US" dirty="0"/>
+              <a:t>print(</a:t>
+            </a:r>
+            <a:r>
+              <a:rPr lang="en-US" dirty="0" err="1"/>
+              <a:t>df.loc</a:t>
+            </a:r>
+            <a:r>
+              <a:rPr lang="en-US" dirty="0"/>
+              <a:t>[:5</a:t>
+            </a:r>
+            <a:r>
+              <a:rPr lang="en-US" b="1" dirty="0">
+                <a:solidFill>
+                  <a:srgbClr val="FF0000"/>
+                </a:solidFill>
+              </a:rPr>
+              <a:t>,['P_calories','</a:t>
+            </a:r>
+            <a:r>
+              <a:rPr lang="en-US" b="1" dirty="0" err="1">
+                <a:solidFill>
+                  <a:srgbClr val="FF0000"/>
+                </a:solidFill>
+              </a:rPr>
+              <a:t>U_choleste</a:t>
+            </a:r>
+            <a:r>
+              <a:rPr lang="en-US" dirty="0" err="1"/>
+              <a:t>rol</a:t>
+            </a:r>
+            <a:r>
+              <a:rPr lang="en-US" dirty="0"/>
+              <a:t>']])</a:t>
             </a:r>
           </a:p>
         </p:txBody>
@@ -16786,13 +16946,20 @@
     </p:spTree>
     <p:extLst>
       <p:ext uri="{BB962C8B-B14F-4D97-AF65-F5344CB8AC3E}">
-        <p14:creationId xmlns:p14="http://schemas.microsoft.com/office/powerpoint/2010/main" val="1448249793"/>
+        <p14:creationId xmlns:p14="http://schemas.microsoft.com/office/powerpoint/2010/main" val="1019337563"/>
       </p:ext>
     </p:extLst>
   </p:cSld>
   <p:clrMapOvr>
     <a:masterClrMapping/>
   </p:clrMapOvr>
+  <p:timing>
+    <p:tnLst>
+      <p:par>
+        <p:cTn id="1" dur="indefinite" restart="never" nodeType="tmRoot"/>
+      </p:par>
+    </p:tnLst>
+  </p:timing>
 </p:sld>
 </file>
 
@@ -16830,7 +16997,7 @@
           <a:p>
             <a:r>
               <a:rPr lang="en-US" dirty="0" smtClean="0"/>
-              <a:t>Scatter Plot</a:t>
+              <a:t>Summary stats Output</a:t>
             </a:r>
             <a:endParaRPr lang="en-US" dirty="0"/>
           </a:p>
@@ -16852,12 +17019,8 @@
           <a:lstStyle/>
           <a:p>
             <a:r>
-              <a:rPr lang="en-US" dirty="0" err="1"/>
-              <a:t>plt.scatter</a:t>
-            </a:r>
-            <a:r>
-              <a:rPr lang="en-US" dirty="0"/>
-              <a:t>( </a:t>
+              <a:rPr lang="en-US" dirty="0"/>
+              <a:t>df2 = </a:t>
             </a:r>
             <a:r>
               <a:rPr lang="en-US" dirty="0" err="1"/>
@@ -16865,14 +17028,6 @@
             </a:r>
             <a:r>
               <a:rPr lang="en-US" dirty="0"/>
-              <a:t>['Age'],</a:t>
-            </a:r>
-            <a:r>
-              <a:rPr lang="en-US" dirty="0" err="1"/>
-              <a:t>df</a:t>
-            </a:r>
-            <a:r>
-              <a:rPr lang="en-US" dirty="0"/>
               <a:t>['</a:t>
             </a:r>
             <a:r>
@@ -16881,11 +17036,11 @@
             </a:r>
             <a:r>
               <a:rPr lang="en-US" dirty="0"/>
-              <a:t>'], s=30</a:t>
+              <a:t>'].describe</a:t>
             </a:r>
             <a:r>
               <a:rPr lang="en-US" dirty="0" smtClean="0"/>
-              <a:t>)</a:t>
+              <a:t>()</a:t>
             </a:r>
           </a:p>
           <a:p>
@@ -16898,15 +17053,15 @@
             </a:br>
             <a:r>
               <a:rPr lang="en-US" dirty="0" err="1"/>
-              <a:t>plt.xticks</a:t>
-            </a:r>
-            <a:r>
-              <a:rPr lang="en-US" dirty="0"/>
-              <a:t>(rotation=90</a:t>
+              <a:t>pd.options.display.float_format</a:t>
+            </a:r>
+            <a:r>
+              <a:rPr lang="en-US" dirty="0"/>
+              <a:t> = '{:,.2f}'.</a:t>
             </a:r>
             <a:r>
               <a:rPr lang="en-US" dirty="0" smtClean="0"/>
-              <a:t>)</a:t>
+              <a:t>format</a:t>
             </a:r>
           </a:p>
           <a:p>
@@ -16918,12 +17073,8 @@
               <a:rPr lang="en-US" dirty="0"/>
             </a:br>
             <a:r>
-              <a:rPr lang="en-US" dirty="0" err="1"/>
-              <a:t>plt.show</a:t>
-            </a:r>
-            <a:r>
-              <a:rPr lang="en-US" dirty="0"/>
-              <a:t>()</a:t>
+              <a:rPr lang="en-US" dirty="0"/>
+              <a:t>print(df2)</a:t>
             </a:r>
           </a:p>
         </p:txBody>
@@ -16931,13 +17082,20 @@
     </p:spTree>
     <p:extLst>
       <p:ext uri="{BB962C8B-B14F-4D97-AF65-F5344CB8AC3E}">
-        <p14:creationId xmlns:p14="http://schemas.microsoft.com/office/powerpoint/2010/main" val="3163603349"/>
+        <p14:creationId xmlns:p14="http://schemas.microsoft.com/office/powerpoint/2010/main" val="1448249793"/>
       </p:ext>
     </p:extLst>
   </p:cSld>
   <p:clrMapOvr>
     <a:masterClrMapping/>
   </p:clrMapOvr>
+  <p:timing>
+    <p:tnLst>
+      <p:par>
+        <p:cTn id="1" dur="indefinite" restart="never" nodeType="tmRoot"/>
+      </p:par>
+    </p:tnLst>
+  </p:timing>
 </p:sld>
 </file>
 
@@ -16973,7 +17131,11 @@
           <a:bodyPr/>
           <a:lstStyle/>
           <a:p>
-            <a:endParaRPr lang="en-US"/>
+            <a:r>
+              <a:rPr lang="en-US" dirty="0" smtClean="0"/>
+              <a:t>Scatter Plot</a:t>
+            </a:r>
+            <a:endParaRPr lang="en-US" dirty="0"/>
           </a:p>
         </p:txBody>
       </p:sp>
@@ -16993,22 +17155,78 @@
           <a:lstStyle/>
           <a:p>
             <a:r>
-              <a:rPr lang="en-US" dirty="0"/>
-              <a:t>list2 = [x for x in </a:t>
-            </a:r>
-            <a:r>
               <a:rPr lang="en-US" dirty="0" err="1"/>
-              <a:t>dfDiSease</a:t>
-            </a:r>
-            <a:r>
-              <a:rPr lang="en-US" dirty="0"/>
-              <a:t> if x != ' ']</a:t>
-            </a:r>
-          </a:p>
-          <a:p>
-            <a:r>
-              <a:rPr lang="en-US" dirty="0"/>
-              <a:t>print(list2)</a:t>
+              <a:t>plt.scatter</a:t>
+            </a:r>
+            <a:r>
+              <a:rPr lang="en-US" dirty="0"/>
+              <a:t>( </a:t>
+            </a:r>
+            <a:r>
+              <a:rPr lang="en-US" dirty="0" err="1"/>
+              <a:t>df</a:t>
+            </a:r>
+            <a:r>
+              <a:rPr lang="en-US" dirty="0"/>
+              <a:t>['Age'],</a:t>
+            </a:r>
+            <a:r>
+              <a:rPr lang="en-US" dirty="0" err="1"/>
+              <a:t>df</a:t>
+            </a:r>
+            <a:r>
+              <a:rPr lang="en-US" dirty="0"/>
+              <a:t>['</a:t>
+            </a:r>
+            <a:r>
+              <a:rPr lang="en-US" dirty="0" err="1"/>
+              <a:t>P_calories</a:t>
+            </a:r>
+            <a:r>
+              <a:rPr lang="en-US" dirty="0"/>
+              <a:t>'], s=30</a:t>
+            </a:r>
+            <a:r>
+              <a:rPr lang="en-US" dirty="0" smtClean="0"/>
+              <a:t>)</a:t>
+            </a:r>
+          </a:p>
+          <a:p>
+            <a:r>
+              <a:rPr lang="en-US" dirty="0"/>
+              <a:t/>
+            </a:r>
+            <a:br>
+              <a:rPr lang="en-US" dirty="0"/>
+            </a:br>
+            <a:r>
+              <a:rPr lang="en-US" dirty="0" err="1"/>
+              <a:t>plt.xticks</a:t>
+            </a:r>
+            <a:r>
+              <a:rPr lang="en-US" dirty="0"/>
+              <a:t>(rotation=90</a:t>
+            </a:r>
+            <a:r>
+              <a:rPr lang="en-US" dirty="0" smtClean="0"/>
+              <a:t>)</a:t>
+            </a:r>
+          </a:p>
+          <a:p>
+            <a:r>
+              <a:rPr lang="en-US" dirty="0"/>
+              <a:t/>
+            </a:r>
+            <a:br>
+              <a:rPr lang="en-US" dirty="0"/>
+            </a:br>
+            <a:r>
+              <a:rPr lang="en-US" dirty="0" err="1"/>
+              <a:t>plt.show</a:t>
+            </a:r>
+            <a:r>
+              <a:rPr lang="en-US" dirty="0"/>
+              <a:t>()</a:t>
             </a:r>
           </a:p>
         </p:txBody>
@@ -17016,13 +17234,20 @@
     </p:spTree>
     <p:extLst>
       <p:ext uri="{BB962C8B-B14F-4D97-AF65-F5344CB8AC3E}">
-        <p14:creationId xmlns:p14="http://schemas.microsoft.com/office/powerpoint/2010/main" val="2008244302"/>
+        <p14:creationId xmlns:p14="http://schemas.microsoft.com/office/powerpoint/2010/main" val="3163603349"/>
       </p:ext>
     </p:extLst>
   </p:cSld>
   <p:clrMapOvr>
     <a:masterClrMapping/>
   </p:clrMapOvr>
+  <p:timing>
+    <p:tnLst>
+      <p:par>
+        <p:cTn id="1" dur="indefinite" restart="never" nodeType="tmRoot"/>
+      </p:par>
+    </p:tnLst>
+  </p:timing>
 </p:sld>
 </file>
 
@@ -17150,6 +17375,13 @@
   <p:clrMapOvr>
     <a:masterClrMapping/>
   </p:clrMapOvr>
+  <p:timing>
+    <p:tnLst>
+      <p:par>
+        <p:cTn id="1" dur="indefinite" restart="never" nodeType="tmRoot"/>
+      </p:par>
+    </p:tnLst>
+  </p:timing>
 </p:sld>
 </file>
 
@@ -17206,132 +17438,42 @@
           <a:p>
             <a:r>
               <a:rPr lang="en-US" dirty="0"/>
-              <a:t># Covariance</a:t>
-            </a:r>
-            <a:br>
-              <a:rPr lang="en-US" dirty="0"/>
-            </a:br>
-            <a:r>
-              <a:rPr lang="en-US" dirty="0"/>
-              <a:t>print("Covariance")</a:t>
-            </a:r>
-            <a:br>
-              <a:rPr lang="en-US" dirty="0"/>
-            </a:br>
-            <a:r>
-              <a:rPr lang="en-US" dirty="0"/>
-              <a:t>print(</a:t>
+              <a:t>list2 = [x for x in </a:t>
             </a:r>
             <a:r>
               <a:rPr lang="en-US" dirty="0" err="1"/>
-              <a:t>df</a:t>
-            </a:r>
-            <a:r>
-              <a:rPr lang="en-US" dirty="0"/>
-              <a:t>['</a:t>
-            </a:r>
-            <a:r>
-              <a:rPr lang="en-US" dirty="0" err="1"/>
-              <a:t>P_calories</a:t>
-            </a:r>
-            <a:r>
-              <a:rPr lang="en-US" dirty="0"/>
-              <a:t>'].</a:t>
-            </a:r>
-            <a:r>
-              <a:rPr lang="en-US" dirty="0" err="1"/>
-              <a:t>cov</a:t>
-            </a:r>
-            <a:r>
-              <a:rPr lang="en-US" dirty="0"/>
-              <a:t>(</a:t>
-            </a:r>
-            <a:r>
-              <a:rPr lang="en-US" dirty="0" err="1"/>
-              <a:t>df</a:t>
-            </a:r>
-            <a:r>
-              <a:rPr lang="en-US" dirty="0"/>
-              <a:t>['</a:t>
-            </a:r>
-            <a:r>
-              <a:rPr lang="en-US" dirty="0" err="1"/>
-              <a:t>P_Fat</a:t>
-            </a:r>
-            <a:r>
-              <a:rPr lang="en-US" dirty="0"/>
-              <a:t>']))</a:t>
-            </a:r>
-            <a:br>
-              <a:rPr lang="en-US" dirty="0"/>
-            </a:br>
-            <a:r>
-              <a:rPr lang="en-US" dirty="0"/>
-              <a:t>print("correlation")</a:t>
-            </a:r>
-            <a:br>
-              <a:rPr lang="en-US" dirty="0"/>
-            </a:br>
-            <a:r>
-              <a:rPr lang="en-US" dirty="0"/>
-              <a:t>print(</a:t>
-            </a:r>
-            <a:r>
-              <a:rPr lang="en-US" dirty="0" err="1"/>
-              <a:t>df</a:t>
-            </a:r>
-            <a:r>
-              <a:rPr lang="en-US" dirty="0"/>
-              <a:t>['</a:t>
-            </a:r>
-            <a:r>
-              <a:rPr lang="en-US" dirty="0" err="1"/>
-              <a:t>P_calories</a:t>
-            </a:r>
-            <a:r>
-              <a:rPr lang="en-US" dirty="0"/>
-              <a:t>'].</a:t>
-            </a:r>
-            <a:r>
-              <a:rPr lang="en-US" dirty="0" err="1"/>
-              <a:t>corr</a:t>
-            </a:r>
-            <a:r>
-              <a:rPr lang="en-US" dirty="0"/>
-              <a:t>(</a:t>
-            </a:r>
-            <a:r>
-              <a:rPr lang="en-US" dirty="0" err="1"/>
-              <a:t>df</a:t>
-            </a:r>
-            <a:r>
-              <a:rPr lang="en-US" dirty="0"/>
-              <a:t>['</a:t>
-            </a:r>
-            <a:r>
-              <a:rPr lang="en-US" dirty="0" err="1"/>
-              <a:t>P_Protein</a:t>
-            </a:r>
-            <a:r>
-              <a:rPr lang="en-US" dirty="0" smtClean="0"/>
-              <a:t>']))</a:t>
-            </a:r>
-          </a:p>
-          <a:p>
-            <a:endParaRPr lang="en-US" dirty="0"/>
+              <a:t>dfDiSease</a:t>
+            </a:r>
+            <a:r>
+              <a:rPr lang="en-US" dirty="0"/>
+              <a:t> if x != ' ']</a:t>
+            </a:r>
+          </a:p>
+          <a:p>
+            <a:r>
+              <a:rPr lang="en-US" dirty="0"/>
+              <a:t>print(list2)</a:t>
+            </a:r>
           </a:p>
         </p:txBody>
       </p:sp>
     </p:spTree>
     <p:extLst>
       <p:ext uri="{BB962C8B-B14F-4D97-AF65-F5344CB8AC3E}">
-        <p14:creationId xmlns:p14="http://schemas.microsoft.com/office/powerpoint/2010/main" val="2103140243"/>
+        <p14:creationId xmlns:p14="http://schemas.microsoft.com/office/powerpoint/2010/main" val="2008244302"/>
       </p:ext>
     </p:extLst>
   </p:cSld>
   <p:clrMapOvr>
     <a:masterClrMapping/>
   </p:clrMapOvr>
+  <p:timing>
+    <p:tnLst>
+      <p:par>
+        <p:cTn id="1" dur="indefinite" restart="never" nodeType="tmRoot"/>
+      </p:par>
+    </p:tnLst>
+  </p:timing>
 </p:sld>
 </file>
 
@@ -17388,33 +17530,79 @@
           <a:p>
             <a:r>
               <a:rPr lang="en-US" dirty="0"/>
-              <a:t>df3 = </a:t>
+              <a:t># Covariance</a:t>
+            </a:r>
+            <a:br>
+              <a:rPr lang="en-US" dirty="0"/>
+            </a:br>
+            <a:r>
+              <a:rPr lang="en-US" dirty="0"/>
+              <a:t>print("Covariance")</a:t>
+            </a:r>
+            <a:br>
+              <a:rPr lang="en-US" dirty="0"/>
+            </a:br>
+            <a:r>
+              <a:rPr lang="en-US" dirty="0"/>
+              <a:t>print(</a:t>
             </a:r>
             <a:r>
               <a:rPr lang="en-US" dirty="0" err="1"/>
-              <a:t>df.sort_values</a:t>
-            </a:r>
-            <a:r>
-              <a:rPr lang="en-US" dirty="0"/>
-              <a:t>('</a:t>
+              <a:t>df</a:t>
+            </a:r>
+            <a:r>
+              <a:rPr lang="en-US" dirty="0"/>
+              <a:t>['</a:t>
             </a:r>
             <a:r>
               <a:rPr lang="en-US" dirty="0" err="1"/>
               <a:t>P_calories</a:t>
             </a:r>
             <a:r>
-              <a:rPr lang="en-US" dirty="0" smtClean="0"/>
-              <a:t>')</a:t>
-            </a:r>
-          </a:p>
-          <a:p>
-            <a:r>
-              <a:rPr lang="en-US" dirty="0"/>
-              <a:t> </a:t>
-            </a:r>
-            <a:r>
-              <a:rPr lang="en-US" dirty="0" smtClean="0"/>
-              <a:t>print(df3</a:t>
+              <a:rPr lang="en-US" dirty="0"/>
+              <a:t>'].</a:t>
+            </a:r>
+            <a:r>
+              <a:rPr lang="en-US" dirty="0" err="1"/>
+              <a:t>cov</a:t>
+            </a:r>
+            <a:r>
+              <a:rPr lang="en-US" dirty="0"/>
+              <a:t>(</a:t>
+            </a:r>
+            <a:r>
+              <a:rPr lang="en-US" dirty="0" err="1"/>
+              <a:t>df</a:t>
+            </a:r>
+            <a:r>
+              <a:rPr lang="en-US" dirty="0"/>
+              <a:t>['</a:t>
+            </a:r>
+            <a:r>
+              <a:rPr lang="en-US" dirty="0" err="1"/>
+              <a:t>P_Fat</a:t>
+            </a:r>
+            <a:r>
+              <a:rPr lang="en-US" dirty="0"/>
+              <a:t>']))</a:t>
+            </a:r>
+            <a:br>
+              <a:rPr lang="en-US" dirty="0"/>
+            </a:br>
+            <a:r>
+              <a:rPr lang="en-US" dirty="0"/>
+              <a:t>print("correlation")</a:t>
+            </a:r>
+            <a:br>
+              <a:rPr lang="en-US" dirty="0"/>
+            </a:br>
+            <a:r>
+              <a:rPr lang="en-US" dirty="0"/>
+              <a:t>print(</a:t>
+            </a:r>
+            <a:r>
+              <a:rPr lang="en-US" dirty="0" err="1"/>
+              <a:t>df</a:t>
             </a:r>
             <a:r>
               <a:rPr lang="en-US" dirty="0"/>
@@ -17425,8 +17613,32 @@
               <a:t>P_calories</a:t>
             </a:r>
             <a:r>
+              <a:rPr lang="en-US" dirty="0"/>
+              <a:t>'].</a:t>
+            </a:r>
+            <a:r>
+              <a:rPr lang="en-US" dirty="0" err="1"/>
+              <a:t>corr</a:t>
+            </a:r>
+            <a:r>
+              <a:rPr lang="en-US" dirty="0"/>
+              <a:t>(</a:t>
+            </a:r>
+            <a:r>
+              <a:rPr lang="en-US" dirty="0" err="1"/>
+              <a:t>df</a:t>
+            </a:r>
+            <a:r>
+              <a:rPr lang="en-US" dirty="0"/>
+              <a:t>['</a:t>
+            </a:r>
+            <a:r>
+              <a:rPr lang="en-US" dirty="0" err="1"/>
+              <a:t>P_Protein</a:t>
+            </a:r>
+            <a:r>
               <a:rPr lang="en-US" dirty="0" smtClean="0"/>
-              <a:t>'])</a:t>
+              <a:t>']))</a:t>
             </a:r>
           </a:p>
           <a:p>
@@ -17437,13 +17649,20 @@
     </p:spTree>
     <p:extLst>
       <p:ext uri="{BB962C8B-B14F-4D97-AF65-F5344CB8AC3E}">
-        <p14:creationId xmlns:p14="http://schemas.microsoft.com/office/powerpoint/2010/main" val="260577189"/>
+        <p14:creationId xmlns:p14="http://schemas.microsoft.com/office/powerpoint/2010/main" val="2103140243"/>
       </p:ext>
     </p:extLst>
   </p:cSld>
   <p:clrMapOvr>
     <a:masterClrMapping/>
   </p:clrMapOvr>
+  <p:timing>
+    <p:tnLst>
+      <p:par>
+        <p:cTn id="1" dur="indefinite" restart="never" nodeType="tmRoot"/>
+      </p:par>
+    </p:tnLst>
+  </p:timing>
 </p:sld>
 </file>
 
@@ -17479,11 +17698,7 @@
           <a:bodyPr/>
           <a:lstStyle/>
           <a:p>
-            <a:r>
-              <a:rPr lang="en-US" dirty="0" smtClean="0"/>
-              <a:t>Filter</a:t>
-            </a:r>
-            <a:endParaRPr lang="en-US" dirty="0"/>
+            <a:endParaRPr lang="en-US"/>
           </a:p>
         </p:txBody>
       </p:sp>
@@ -17499,97 +17714,38 @@
         </p:nvSpPr>
         <p:spPr/>
         <p:txBody>
-          <a:bodyPr>
-            <a:normAutofit lnSpcReduction="10000"/>
-          </a:bodyPr>
+          <a:bodyPr/>
           <a:lstStyle/>
           <a:p>
             <a:r>
+              <a:rPr lang="en-US" dirty="0"/>
+              <a:t>df3 = </a:t>
+            </a:r>
+            <a:r>
               <a:rPr lang="en-US" dirty="0" err="1"/>
-              <a:t>DfFilter</a:t>
-            </a:r>
-            <a:r>
-              <a:rPr lang="en-US" dirty="0"/>
-              <a:t> = </a:t>
-            </a:r>
-            <a:r>
-              <a:rPr lang="en-US" dirty="0" err="1"/>
-              <a:t>df</a:t>
-            </a:r>
-            <a:r>
-              <a:rPr lang="en-US" dirty="0"/>
-              <a:t>[</a:t>
-            </a:r>
-            <a:r>
-              <a:rPr lang="en-US" dirty="0" err="1"/>
-              <a:t>df</a:t>
-            </a:r>
-            <a:r>
-              <a:rPr lang="en-US" dirty="0"/>
-              <a:t>['</a:t>
+              <a:t>df.sort_values</a:t>
+            </a:r>
+            <a:r>
+              <a:rPr lang="en-US" dirty="0"/>
+              <a:t>('</a:t>
             </a:r>
             <a:r>
               <a:rPr lang="en-US" dirty="0" err="1"/>
               <a:t>P_calories</a:t>
             </a:r>
             <a:r>
-              <a:rPr lang="en-US" dirty="0"/>
-              <a:t>'] &lt; 10000]</a:t>
-            </a:r>
-            <a:br>
-              <a:rPr lang="en-US" dirty="0"/>
-            </a:br>
-            <a:r>
-              <a:rPr lang="en-US" dirty="0"/>
-              <a:t>print(type(</a:t>
-            </a:r>
-            <a:r>
-              <a:rPr lang="en-US" dirty="0" err="1"/>
-              <a:t>DfFilter</a:t>
-            </a:r>
-            <a:r>
-              <a:rPr lang="en-US" dirty="0"/>
-              <a:t>))</a:t>
-            </a:r>
-            <a:br>
-              <a:rPr lang="en-US" dirty="0"/>
-            </a:br>
-            <a:r>
-              <a:rPr lang="en-US" dirty="0"/>
-              <a:t>print(</a:t>
-            </a:r>
-            <a:r>
-              <a:rPr lang="en-US" dirty="0" err="1"/>
-              <a:t>DfFilter</a:t>
-            </a:r>
-            <a:r>
-              <a:rPr lang="en-US" dirty="0"/>
-              <a:t>)</a:t>
-            </a:r>
-            <a:br>
-              <a:rPr lang="en-US" dirty="0"/>
-            </a:br>
-            <a:r>
-              <a:rPr lang="en-US" dirty="0"/>
-              <a:t/>
-            </a:r>
-            <a:br>
-              <a:rPr lang="en-US" dirty="0"/>
-            </a:br>
-            <a:r>
-              <a:rPr lang="en-US" dirty="0"/>
-              <a:t>print("Covariance")</a:t>
-            </a:r>
-            <a:br>
-              <a:rPr lang="en-US" dirty="0"/>
-            </a:br>
-            <a:r>
-              <a:rPr lang="en-US" dirty="0"/>
-              <a:t>print(</a:t>
-            </a:r>
-            <a:r>
-              <a:rPr lang="en-US" dirty="0" err="1"/>
-              <a:t>DfFilter</a:t>
+              <a:rPr lang="en-US" dirty="0" smtClean="0"/>
+              <a:t>')</a:t>
+            </a:r>
+          </a:p>
+          <a:p>
+            <a:r>
+              <a:rPr lang="en-US" dirty="0"/>
+              <a:t> </a:t>
+            </a:r>
+            <a:r>
+              <a:rPr lang="en-US" dirty="0" smtClean="0"/>
+              <a:t>print(df3</a:t>
             </a:r>
             <a:r>
               <a:rPr lang="en-US" dirty="0"/>
@@ -17600,100 +17756,32 @@
               <a:t>P_calories</a:t>
             </a:r>
             <a:r>
-              <a:rPr lang="en-US" dirty="0"/>
-              <a:t>'].</a:t>
-            </a:r>
-            <a:r>
-              <a:rPr lang="en-US" dirty="0" err="1"/>
-              <a:t>cov</a:t>
-            </a:r>
-            <a:r>
-              <a:rPr lang="en-US" dirty="0"/>
-              <a:t>(</a:t>
-            </a:r>
-            <a:r>
-              <a:rPr lang="en-US" dirty="0" err="1"/>
-              <a:t>DfFilter</a:t>
-            </a:r>
-            <a:r>
-              <a:rPr lang="en-US" dirty="0"/>
-              <a:t>['</a:t>
-            </a:r>
-            <a:r>
-              <a:rPr lang="en-US" dirty="0" err="1"/>
-              <a:t>P_Fat</a:t>
-            </a:r>
-            <a:r>
-              <a:rPr lang="en-US" dirty="0"/>
-              <a:t>']))</a:t>
-            </a:r>
-            <a:br>
-              <a:rPr lang="en-US" dirty="0"/>
-            </a:br>
-            <a:r>
-              <a:rPr lang="en-US" dirty="0"/>
-              <a:t>print("correlation")</a:t>
-            </a:r>
-            <a:br>
-              <a:rPr lang="en-US" dirty="0"/>
-            </a:br>
-            <a:r>
-              <a:rPr lang="en-US" dirty="0"/>
-              <a:t>print(</a:t>
-            </a:r>
-            <a:r>
-              <a:rPr lang="en-US" dirty="0" err="1"/>
-              <a:t>DfFilter</a:t>
-            </a:r>
-            <a:r>
-              <a:rPr lang="en-US" dirty="0"/>
-              <a:t>['</a:t>
-            </a:r>
-            <a:r>
-              <a:rPr lang="en-US" dirty="0" err="1"/>
-              <a:t>P_calories</a:t>
-            </a:r>
-            <a:r>
-              <a:rPr lang="en-US" dirty="0"/>
-              <a:t>'].</a:t>
-            </a:r>
-            <a:r>
-              <a:rPr lang="en-US" dirty="0" err="1"/>
-              <a:t>corr</a:t>
-            </a:r>
-            <a:r>
-              <a:rPr lang="en-US" dirty="0"/>
-              <a:t>(</a:t>
-            </a:r>
-            <a:r>
-              <a:rPr lang="en-US" dirty="0" err="1"/>
-              <a:t>DfFilter</a:t>
-            </a:r>
-            <a:r>
-              <a:rPr lang="en-US" dirty="0"/>
-              <a:t>['</a:t>
-            </a:r>
-            <a:r>
-              <a:rPr lang="en-US" dirty="0" err="1"/>
-              <a:t>P_Protein</a:t>
-            </a:r>
-            <a:r>
-              <a:rPr lang="en-US" dirty="0"/>
-              <a:t>']))</a:t>
-            </a:r>
+              <a:rPr lang="en-US" dirty="0" smtClean="0"/>
+              <a:t>'])</a:t>
+            </a:r>
+          </a:p>
+          <a:p>
+            <a:endParaRPr lang="en-US" dirty="0"/>
           </a:p>
         </p:txBody>
       </p:sp>
     </p:spTree>
     <p:extLst>
       <p:ext uri="{BB962C8B-B14F-4D97-AF65-F5344CB8AC3E}">
-        <p14:creationId xmlns:p14="http://schemas.microsoft.com/office/powerpoint/2010/main" val="3611634046"/>
+        <p14:creationId xmlns:p14="http://schemas.microsoft.com/office/powerpoint/2010/main" val="260577189"/>
       </p:ext>
     </p:extLst>
   </p:cSld>
   <p:clrMapOvr>
     <a:masterClrMapping/>
   </p:clrMapOvr>
+  <p:timing>
+    <p:tnLst>
+      <p:par>
+        <p:cTn id="1" dur="indefinite" restart="never" nodeType="tmRoot"/>
+      </p:par>
+    </p:tnLst>
+  </p:timing>
 </p:sld>
 </file>
 
@@ -17729,6 +17817,263 @@
           <a:bodyPr/>
           <a:lstStyle/>
           <a:p>
+            <a:r>
+              <a:rPr lang="en-US" dirty="0" smtClean="0"/>
+              <a:t>Filter</a:t>
+            </a:r>
+            <a:endParaRPr lang="en-US" dirty="0"/>
+          </a:p>
+        </p:txBody>
+      </p:sp>
+      <p:sp>
+        <p:nvSpPr>
+          <p:cNvPr id="3" name="Content Placeholder 2"/>
+          <p:cNvSpPr>
+            <a:spLocks noGrp="1"/>
+          </p:cNvSpPr>
+          <p:nvPr>
+            <p:ph idx="1"/>
+          </p:nvPr>
+        </p:nvSpPr>
+        <p:spPr/>
+        <p:txBody>
+          <a:bodyPr>
+            <a:normAutofit lnSpcReduction="10000"/>
+          </a:bodyPr>
+          <a:lstStyle/>
+          <a:p>
+            <a:r>
+              <a:rPr lang="en-US" dirty="0" err="1"/>
+              <a:t>DfFilter</a:t>
+            </a:r>
+            <a:r>
+              <a:rPr lang="en-US" dirty="0"/>
+              <a:t> = </a:t>
+            </a:r>
+            <a:r>
+              <a:rPr lang="en-US" dirty="0" err="1"/>
+              <a:t>df</a:t>
+            </a:r>
+            <a:r>
+              <a:rPr lang="en-US" dirty="0"/>
+              <a:t>[</a:t>
+            </a:r>
+            <a:r>
+              <a:rPr lang="en-US" dirty="0" err="1"/>
+              <a:t>df</a:t>
+            </a:r>
+            <a:r>
+              <a:rPr lang="en-US" dirty="0"/>
+              <a:t>['</a:t>
+            </a:r>
+            <a:r>
+              <a:rPr lang="en-US" dirty="0" err="1"/>
+              <a:t>P_calories</a:t>
+            </a:r>
+            <a:r>
+              <a:rPr lang="en-US" dirty="0"/>
+              <a:t>'] &lt; 10000]</a:t>
+            </a:r>
+            <a:br>
+              <a:rPr lang="en-US" dirty="0"/>
+            </a:br>
+            <a:r>
+              <a:rPr lang="en-US" dirty="0"/>
+              <a:t>print(type(</a:t>
+            </a:r>
+            <a:r>
+              <a:rPr lang="en-US" dirty="0" err="1"/>
+              <a:t>DfFilter</a:t>
+            </a:r>
+            <a:r>
+              <a:rPr lang="en-US" dirty="0"/>
+              <a:t>))</a:t>
+            </a:r>
+            <a:br>
+              <a:rPr lang="en-US" dirty="0"/>
+            </a:br>
+            <a:r>
+              <a:rPr lang="en-US" dirty="0"/>
+              <a:t>print(</a:t>
+            </a:r>
+            <a:r>
+              <a:rPr lang="en-US" dirty="0" err="1"/>
+              <a:t>DfFilter</a:t>
+            </a:r>
+            <a:r>
+              <a:rPr lang="en-US" dirty="0"/>
+              <a:t>)</a:t>
+            </a:r>
+            <a:br>
+              <a:rPr lang="en-US" dirty="0"/>
+            </a:br>
+            <a:r>
+              <a:rPr lang="en-US" dirty="0"/>
+              <a:t/>
+            </a:r>
+            <a:br>
+              <a:rPr lang="en-US" dirty="0"/>
+            </a:br>
+            <a:r>
+              <a:rPr lang="en-US" dirty="0"/>
+              <a:t>print("Covariance")</a:t>
+            </a:r>
+            <a:br>
+              <a:rPr lang="en-US" dirty="0"/>
+            </a:br>
+            <a:r>
+              <a:rPr lang="en-US" dirty="0"/>
+              <a:t>print(</a:t>
+            </a:r>
+            <a:r>
+              <a:rPr lang="en-US" dirty="0" err="1"/>
+              <a:t>DfFilter</a:t>
+            </a:r>
+            <a:r>
+              <a:rPr lang="en-US" dirty="0"/>
+              <a:t>['</a:t>
+            </a:r>
+            <a:r>
+              <a:rPr lang="en-US" dirty="0" err="1"/>
+              <a:t>P_calories</a:t>
+            </a:r>
+            <a:r>
+              <a:rPr lang="en-US" dirty="0"/>
+              <a:t>'].</a:t>
+            </a:r>
+            <a:r>
+              <a:rPr lang="en-US" dirty="0" err="1"/>
+              <a:t>cov</a:t>
+            </a:r>
+            <a:r>
+              <a:rPr lang="en-US" dirty="0"/>
+              <a:t>(</a:t>
+            </a:r>
+            <a:r>
+              <a:rPr lang="en-US" dirty="0" err="1"/>
+              <a:t>DfFilter</a:t>
+            </a:r>
+            <a:r>
+              <a:rPr lang="en-US" dirty="0"/>
+              <a:t>['</a:t>
+            </a:r>
+            <a:r>
+              <a:rPr lang="en-US" dirty="0" err="1"/>
+              <a:t>P_Fat</a:t>
+            </a:r>
+            <a:r>
+              <a:rPr lang="en-US" dirty="0"/>
+              <a:t>']))</a:t>
+            </a:r>
+            <a:br>
+              <a:rPr lang="en-US" dirty="0"/>
+            </a:br>
+            <a:r>
+              <a:rPr lang="en-US" dirty="0"/>
+              <a:t>print("correlation")</a:t>
+            </a:r>
+            <a:br>
+              <a:rPr lang="en-US" dirty="0"/>
+            </a:br>
+            <a:r>
+              <a:rPr lang="en-US" dirty="0"/>
+              <a:t>print(</a:t>
+            </a:r>
+            <a:r>
+              <a:rPr lang="en-US" dirty="0" err="1"/>
+              <a:t>DfFilter</a:t>
+            </a:r>
+            <a:r>
+              <a:rPr lang="en-US" dirty="0"/>
+              <a:t>['</a:t>
+            </a:r>
+            <a:r>
+              <a:rPr lang="en-US" dirty="0" err="1"/>
+              <a:t>P_calories</a:t>
+            </a:r>
+            <a:r>
+              <a:rPr lang="en-US" dirty="0"/>
+              <a:t>'].</a:t>
+            </a:r>
+            <a:r>
+              <a:rPr lang="en-US" dirty="0" err="1"/>
+              <a:t>corr</a:t>
+            </a:r>
+            <a:r>
+              <a:rPr lang="en-US" dirty="0"/>
+              <a:t>(</a:t>
+            </a:r>
+            <a:r>
+              <a:rPr lang="en-US" dirty="0" err="1"/>
+              <a:t>DfFilter</a:t>
+            </a:r>
+            <a:r>
+              <a:rPr lang="en-US" dirty="0"/>
+              <a:t>['</a:t>
+            </a:r>
+            <a:r>
+              <a:rPr lang="en-US" dirty="0" err="1"/>
+              <a:t>P_Protein</a:t>
+            </a:r>
+            <a:r>
+              <a:rPr lang="en-US" dirty="0"/>
+              <a:t>']))</a:t>
+            </a:r>
+          </a:p>
+        </p:txBody>
+      </p:sp>
+    </p:spTree>
+    <p:extLst>
+      <p:ext uri="{BB962C8B-B14F-4D97-AF65-F5344CB8AC3E}">
+        <p14:creationId xmlns:p14="http://schemas.microsoft.com/office/powerpoint/2010/main" val="3611634046"/>
+      </p:ext>
+    </p:extLst>
+  </p:cSld>
+  <p:clrMapOvr>
+    <a:masterClrMapping/>
+  </p:clrMapOvr>
+  <p:timing>
+    <p:tnLst>
+      <p:par>
+        <p:cTn id="1" dur="indefinite" restart="never" nodeType="tmRoot"/>
+      </p:par>
+    </p:tnLst>
+  </p:timing>
+</p:sld>
+</file>
+
+<file path=ppt/slides/slide34.xml><?xml version="1.0" encoding="utf-8"?>
+<p:sld xmlns:a="http://schemas.openxmlformats.org/drawingml/2006/main" xmlns:r="http://schemas.openxmlformats.org/officeDocument/2006/relationships" xmlns:p="http://schemas.openxmlformats.org/presentationml/2006/main">
+  <p:cSld>
+    <p:spTree>
+      <p:nvGrpSpPr>
+        <p:cNvPr id="1" name=""/>
+        <p:cNvGrpSpPr/>
+        <p:nvPr/>
+      </p:nvGrpSpPr>
+      <p:grpSpPr>
+        <a:xfrm>
+          <a:off x="0" y="0"/>
+          <a:ext cx="0" cy="0"/>
+          <a:chOff x="0" y="0"/>
+          <a:chExt cx="0" cy="0"/>
+        </a:xfrm>
+      </p:grpSpPr>
+      <p:sp>
+        <p:nvSpPr>
+          <p:cNvPr id="2" name="Title 1"/>
+          <p:cNvSpPr>
+            <a:spLocks noGrp="1"/>
+          </p:cNvSpPr>
+          <p:nvPr>
+            <p:ph type="title"/>
+          </p:nvPr>
+        </p:nvSpPr>
+        <p:spPr/>
+        <p:txBody>
+          <a:bodyPr/>
+          <a:lstStyle/>
+          <a:p>
             <a:endParaRPr lang="en-US"/>
           </a:p>
         </p:txBody>
@@ -17876,6 +18221,13 @@
   <p:clrMapOvr>
     <a:masterClrMapping/>
   </p:clrMapOvr>
+  <p:timing>
+    <p:tnLst>
+      <p:par>
+        <p:cTn id="1" dur="indefinite" restart="never" nodeType="tmRoot"/>
+      </p:par>
+    </p:tnLst>
+  </p:timing>
 </p:sld>
 </file>
 
@@ -17985,6 +18337,13 @@
   <p:clrMapOvr>
     <a:masterClrMapping/>
   </p:clrMapOvr>
+  <p:timing>
+    <p:tnLst>
+      <p:par>
+        <p:cTn id="1" dur="indefinite" restart="never" nodeType="tmRoot"/>
+      </p:par>
+    </p:tnLst>
+  </p:timing>
 </p:sld>
 </file>
 
@@ -18089,6 +18448,13 @@
   <p:clrMapOvr>
     <a:masterClrMapping/>
   </p:clrMapOvr>
+  <p:timing>
+    <p:tnLst>
+      <p:par>
+        <p:cTn id="1" dur="indefinite" restart="never" nodeType="tmRoot"/>
+      </p:par>
+    </p:tnLst>
+  </p:timing>
 </p:sld>
 </file>
 
@@ -18202,6 +18568,13 @@
   <p:clrMapOvr>
     <a:masterClrMapping/>
   </p:clrMapOvr>
+  <p:timing>
+    <p:tnLst>
+      <p:par>
+        <p:cTn id="1" dur="indefinite" restart="never" nodeType="tmRoot"/>
+      </p:par>
+    </p:tnLst>
+  </p:timing>
 </p:sld>
 </file>
 
@@ -18286,6 +18659,13 @@
   <p:clrMapOvr>
     <a:masterClrMapping/>
   </p:clrMapOvr>
+  <p:timing>
+    <p:tnLst>
+      <p:par>
+        <p:cTn id="1" dur="indefinite" restart="never" nodeType="tmRoot"/>
+      </p:par>
+    </p:tnLst>
+  </p:timing>
 </p:sld>
 </file>
 
@@ -18395,6 +18775,13 @@
   <p:clrMapOvr>
     <a:masterClrMapping/>
   </p:clrMapOvr>
+  <p:timing>
+    <p:tnLst>
+      <p:par>
+        <p:cTn id="1" dur="indefinite" restart="never" nodeType="tmRoot"/>
+      </p:par>
+    </p:tnLst>
+  </p:timing>
 </p:sld>
 </file>
 
@@ -18500,6 +18887,13 @@
   <p:clrMapOvr>
     <a:masterClrMapping/>
   </p:clrMapOvr>
+  <p:timing>
+    <p:tnLst>
+      <p:par>
+        <p:cTn id="1" dur="indefinite" restart="never" nodeType="tmRoot"/>
+      </p:par>
+    </p:tnLst>
+  </p:timing>
 </p:sld>
 </file>
 
